--- a/brainex.pptx
+++ b/brainex.pptx
@@ -218,7 +218,7 @@
           <a:p>
             <a:fld id="{48DB09AF-E902-4C63-8AAD-BE5DE1EBDEE7}" type="datetime1">
               <a:rPr lang="en-IN" smtClean="0"/>
-              <a:t>25-09-2018</a:t>
+              <a:t>26-09-2018</a:t>
             </a:fld>
             <a:endParaRPr lang="en-IN"/>
           </a:p>
@@ -396,7 +396,7 @@
           <a:p>
             <a:fld id="{51ECCAA2-59C5-440D-94CE-023350293B89}" type="datetime1">
               <a:rPr lang="en-IN" smtClean="0"/>
-              <a:t>25-09-2018</a:t>
+              <a:t>26-09-2018</a:t>
             </a:fld>
             <a:endParaRPr lang="en-IN"/>
           </a:p>
@@ -851,7 +851,7 @@
           <a:p>
             <a:fld id="{A3225408-1152-44A2-A9C2-0F293D70011C}" type="datetime1">
               <a:rPr lang="en-IN" smtClean="0"/>
-              <a:t>25-09-2018</a:t>
+              <a:t>26-09-2018</a:t>
             </a:fld>
             <a:endParaRPr lang="en-IN"/>
           </a:p>
@@ -1126,7 +1126,7 @@
           <a:p>
             <a:fld id="{15BBFCE5-2CBA-4093-9485-81326A004A6A}" type="datetime1">
               <a:rPr lang="en-IN" smtClean="0"/>
-              <a:t>25-09-2018</a:t>
+              <a:t>26-09-2018</a:t>
             </a:fld>
             <a:endParaRPr lang="en-IN"/>
           </a:p>
@@ -1320,7 +1320,7 @@
           <a:p>
             <a:fld id="{DBD868E8-3D3E-4CAB-8205-5299C2D342DC}" type="datetime1">
               <a:rPr lang="en-IN" smtClean="0"/>
-              <a:t>25-09-2018</a:t>
+              <a:t>26-09-2018</a:t>
             </a:fld>
             <a:endParaRPr lang="en-IN"/>
           </a:p>
@@ -1593,7 +1593,7 @@
           <a:p>
             <a:fld id="{57F7E1A9-ECCA-4091-AA42-30A6AE4CE8D2}" type="datetime1">
               <a:rPr lang="en-IN" smtClean="0"/>
-              <a:t>25-09-2018</a:t>
+              <a:t>26-09-2018</a:t>
             </a:fld>
             <a:endParaRPr lang="en-IN"/>
           </a:p>
@@ -1934,7 +1934,7 @@
           <a:p>
             <a:fld id="{B65A0EA1-5D11-4564-A419-F33C101424F7}" type="datetime1">
               <a:rPr lang="en-IN" smtClean="0"/>
-              <a:t>25-09-2018</a:t>
+              <a:t>26-09-2018</a:t>
             </a:fld>
             <a:endParaRPr lang="en-IN"/>
           </a:p>
@@ -2557,7 +2557,7 @@
           <a:p>
             <a:fld id="{67B7116C-281B-42D0-B5D7-2A5946435352}" type="datetime1">
               <a:rPr lang="en-IN" smtClean="0"/>
-              <a:t>25-09-2018</a:t>
+              <a:t>26-09-2018</a:t>
             </a:fld>
             <a:endParaRPr lang="en-IN"/>
           </a:p>
@@ -3417,7 +3417,7 @@
           <a:p>
             <a:fld id="{399BDDFF-A9D4-44A0-B014-1A3A58273380}" type="datetime1">
               <a:rPr lang="en-IN" smtClean="0"/>
-              <a:t>25-09-2018</a:t>
+              <a:t>26-09-2018</a:t>
             </a:fld>
             <a:endParaRPr lang="en-IN"/>
           </a:p>
@@ -3587,7 +3587,7 @@
           <a:p>
             <a:fld id="{90D7A6DA-38BA-4D38-B30A-BF3E6E95266A}" type="datetime1">
               <a:rPr lang="en-IN" smtClean="0"/>
-              <a:t>25-09-2018</a:t>
+              <a:t>26-09-2018</a:t>
             </a:fld>
             <a:endParaRPr lang="en-IN"/>
           </a:p>
@@ -3767,7 +3767,7 @@
           <a:p>
             <a:fld id="{B6182E82-EC32-47DC-B03A-118707A41B7F}" type="datetime1">
               <a:rPr lang="en-IN" smtClean="0"/>
-              <a:t>25-09-2018</a:t>
+              <a:t>26-09-2018</a:t>
             </a:fld>
             <a:endParaRPr lang="en-IN"/>
           </a:p>
@@ -3937,7 +3937,7 @@
           <a:p>
             <a:fld id="{43FB9301-3E30-429B-A2AE-A7C782E4571C}" type="datetime1">
               <a:rPr lang="en-IN" smtClean="0"/>
-              <a:t>25-09-2018</a:t>
+              <a:t>26-09-2018</a:t>
             </a:fld>
             <a:endParaRPr lang="en-IN"/>
           </a:p>
@@ -4184,7 +4184,7 @@
           <a:p>
             <a:fld id="{CC71D7F0-A5AF-493A-8910-7A2A5684F13A}" type="datetime1">
               <a:rPr lang="en-IN" smtClean="0"/>
-              <a:t>25-09-2018</a:t>
+              <a:t>26-09-2018</a:t>
             </a:fld>
             <a:endParaRPr lang="en-IN"/>
           </a:p>
@@ -4476,7 +4476,7 @@
           <a:p>
             <a:fld id="{9FD45529-2B83-48D1-847C-58CFEAB6282F}" type="datetime1">
               <a:rPr lang="en-IN" smtClean="0"/>
-              <a:t>25-09-2018</a:t>
+              <a:t>26-09-2018</a:t>
             </a:fld>
             <a:endParaRPr lang="en-IN"/>
           </a:p>
@@ -4920,7 +4920,7 @@
           <a:p>
             <a:fld id="{E36DB59D-978F-4F9B-813F-E256D2896E15}" type="datetime1">
               <a:rPr lang="en-IN" smtClean="0"/>
-              <a:t>25-09-2018</a:t>
+              <a:t>26-09-2018</a:t>
             </a:fld>
             <a:endParaRPr lang="en-IN"/>
           </a:p>
@@ -5038,7 +5038,7 @@
           <a:p>
             <a:fld id="{2D6FB254-0F8A-41CB-A1CB-BA36D096D6A4}" type="datetime1">
               <a:rPr lang="en-IN" smtClean="0"/>
-              <a:t>25-09-2018</a:t>
+              <a:t>26-09-2018</a:t>
             </a:fld>
             <a:endParaRPr lang="en-IN"/>
           </a:p>
@@ -5133,7 +5133,7 @@
           <a:p>
             <a:fld id="{B25DB7FA-8BF4-4304-B8D2-2614003A462E}" type="datetime1">
               <a:rPr lang="en-IN" smtClean="0"/>
-              <a:t>25-09-2018</a:t>
+              <a:t>26-09-2018</a:t>
             </a:fld>
             <a:endParaRPr lang="en-IN"/>
           </a:p>
@@ -5412,7 +5412,7 @@
           <a:p>
             <a:fld id="{958475BE-066D-4B29-9F08-CB2A9670D983}" type="datetime1">
               <a:rPr lang="en-IN" smtClean="0"/>
-              <a:t>25-09-2018</a:t>
+              <a:t>26-09-2018</a:t>
             </a:fld>
             <a:endParaRPr lang="en-IN"/>
           </a:p>
@@ -5687,7 +5687,7 @@
           <a:p>
             <a:fld id="{C4575EFD-ED2F-494F-8D31-98D5DA77BF62}" type="datetime1">
               <a:rPr lang="en-IN" smtClean="0"/>
-              <a:t>25-09-2018</a:t>
+              <a:t>26-09-2018</a:t>
             </a:fld>
             <a:endParaRPr lang="en-IN"/>
           </a:p>
@@ -6116,7 +6116,7 @@
           <a:p>
             <a:fld id="{BDEAF5CC-D2C0-4B75-9855-2FF7736865F6}" type="datetime1">
               <a:rPr lang="en-IN" smtClean="0"/>
-              <a:t>25-09-2018</a:t>
+              <a:t>26-09-2018</a:t>
             </a:fld>
             <a:endParaRPr lang="en-IN"/>
           </a:p>
@@ -6863,7 +6863,7 @@
           <a:p>
             <a:fld id="{4941EEC4-5D3F-4A18-919F-BC23D8312BE4}" type="datetime1">
               <a:rPr lang="en-IN" smtClean="0"/>
-              <a:t>25-09-2018</a:t>
+              <a:t>26-09-2018</a:t>
             </a:fld>
             <a:endParaRPr lang="en-IN"/>
           </a:p>
@@ -6980,12 +6980,61 @@
           <a:lstStyle/>
           <a:p>
             <a:pPr>
-              <a:buFont typeface="Arial" panose="020B0604020202020204" pitchFamily="34" charset="0"/>
-              <a:buChar char="•"/>
+              <a:buFont typeface="Wingdings" panose="05000000000000000000" pitchFamily="2" charset="2"/>
+              <a:buChar char="Ø"/>
             </a:pPr>
             <a:r>
-              <a:rPr lang="en-IN" sz="1600" dirty="0"/>
+              <a:rPr lang="en-IN" dirty="0">
+                <a:latin typeface="Times New Roman" panose="02020603050405020304" pitchFamily="18" charset="0"/>
+                <a:cs typeface="Times New Roman" panose="02020603050405020304" pitchFamily="18" charset="0"/>
+              </a:rPr>
               <a:t>For  live support agent, volume that is not able to hear properly because of the network issue or poor connectivity.</a:t>
+            </a:r>
+          </a:p>
+          <a:p>
+            <a:pPr>
+              <a:buFont typeface="Wingdings" panose="05000000000000000000" pitchFamily="2" charset="2"/>
+              <a:buChar char="Ø"/>
+            </a:pPr>
+            <a:endParaRPr lang="en-IN" dirty="0">
+              <a:latin typeface="Times New Roman" panose="02020603050405020304" pitchFamily="18" charset="0"/>
+              <a:cs typeface="Times New Roman" panose="02020603050405020304" pitchFamily="18" charset="0"/>
+            </a:endParaRPr>
+          </a:p>
+          <a:p>
+            <a:pPr>
+              <a:buFont typeface="Wingdings" panose="05000000000000000000" pitchFamily="2" charset="2"/>
+              <a:buChar char="Ø"/>
+            </a:pPr>
+            <a:r>
+              <a:rPr lang="en-IN" dirty="0">
+                <a:latin typeface="Times New Roman" panose="02020603050405020304" pitchFamily="18" charset="0"/>
+                <a:cs typeface="Times New Roman" panose="02020603050405020304" pitchFamily="18" charset="0"/>
+              </a:rPr>
+              <a:t>For self service, a normal laymen cannot understand how to process or resolve the issue.</a:t>
+            </a:r>
+          </a:p>
+          <a:p>
+            <a:pPr>
+              <a:buFont typeface="Wingdings" panose="05000000000000000000" pitchFamily="2" charset="2"/>
+              <a:buChar char="Ø"/>
+            </a:pPr>
+            <a:endParaRPr lang="en-IN" dirty="0">
+              <a:latin typeface="Times New Roman" panose="02020603050405020304" pitchFamily="18" charset="0"/>
+              <a:cs typeface="Times New Roman" panose="02020603050405020304" pitchFamily="18" charset="0"/>
+            </a:endParaRPr>
+          </a:p>
+          <a:p>
+            <a:pPr>
+              <a:buFont typeface="Wingdings" panose="05000000000000000000" pitchFamily="2" charset="2"/>
+              <a:buChar char="Ø"/>
+            </a:pPr>
+            <a:r>
+              <a:rPr lang="en-IN" dirty="0">
+                <a:latin typeface="Times New Roman" panose="02020603050405020304" pitchFamily="18" charset="0"/>
+                <a:cs typeface="Times New Roman" panose="02020603050405020304" pitchFamily="18" charset="0"/>
+              </a:rPr>
+              <a:t>IOT(Internet Of Things) been a biggest challenge where the customer is facing billions and trillions of new data sources and thus it is expected that this growth will push the data to be handled by networks. </a:t>
             </a:r>
           </a:p>
           <a:p>
@@ -6994,16 +7043,6 @@
               <a:buChar char="•"/>
             </a:pPr>
             <a:endParaRPr lang="en-IN" sz="1600" dirty="0"/>
-          </a:p>
-          <a:p>
-            <a:pPr>
-              <a:buFont typeface="Arial" panose="020B0604020202020204" pitchFamily="34" charset="0"/>
-              <a:buChar char="•"/>
-            </a:pPr>
-            <a:r>
-              <a:rPr lang="en-IN" sz="1600" dirty="0"/>
-              <a:t>For self service, a normal laymen cannot understand how to process or resolve the issue.</a:t>
-            </a:r>
           </a:p>
           <a:p>
             <a:pPr>
@@ -7073,7 +7112,7 @@
           <a:p>
             <a:fld id="{0A34A33E-D7B6-4B1D-BCF1-8D3729BD5E8D}" type="datetime1">
               <a:rPr lang="en-IN" smtClean="0"/>
-              <a:t>25-09-2018</a:t>
+              <a:t>26-09-2018</a:t>
             </a:fld>
             <a:endParaRPr lang="en-IN"/>
           </a:p>
@@ -7194,14 +7233,49 @@
         <p:spPr>
           <a:xfrm>
             <a:off x="1086522" y="1680977"/>
-            <a:ext cx="8963331" cy="4567422"/>
+            <a:ext cx="8963331" cy="4031334"/>
           </a:xfrm>
         </p:spPr>
         <p:txBody>
-          <a:bodyPr/>
-          <a:lstStyle/>
-          <a:p>
-            <a:endParaRPr lang="en-IN" dirty="0"/>
+          <a:bodyPr>
+            <a:normAutofit/>
+          </a:bodyPr>
+          <a:lstStyle/>
+          <a:p>
+            <a:r>
+              <a:rPr lang="en-IN" dirty="0">
+                <a:latin typeface="Times New Roman" panose="02020603050405020304" pitchFamily="18" charset="0"/>
+                <a:cs typeface="Times New Roman" panose="02020603050405020304" pitchFamily="18" charset="0"/>
+              </a:rPr>
+              <a:t>Telecom network operators need to justify the value of new equipment purchases, and vendors need to help them define the benefits if telecom revenue is to recover now that voice is no longer.</a:t>
+            </a:r>
+          </a:p>
+          <a:p>
+            <a:endParaRPr lang="en-IN" dirty="0">
+              <a:latin typeface="Times New Roman" panose="02020603050405020304" pitchFamily="18" charset="0"/>
+              <a:cs typeface="Times New Roman" panose="02020603050405020304" pitchFamily="18" charset="0"/>
+            </a:endParaRPr>
+          </a:p>
+          <a:p>
+            <a:r>
+              <a:rPr lang="en-IN" dirty="0">
+                <a:latin typeface="Times New Roman" panose="02020603050405020304" pitchFamily="18" charset="0"/>
+                <a:cs typeface="Times New Roman" panose="02020603050405020304" pitchFamily="18" charset="0"/>
+              </a:rPr>
+              <a:t>If the operator’s operating expenses per transaction are high, this can soon turn into a poor business case requiring further proactive actions.</a:t>
+            </a:r>
+          </a:p>
+          <a:p>
+            <a:endParaRPr lang="en-IN" dirty="0">
+              <a:latin typeface="Times New Roman" panose="02020603050405020304" pitchFamily="18" charset="0"/>
+              <a:cs typeface="Times New Roman" panose="02020603050405020304" pitchFamily="18" charset="0"/>
+            </a:endParaRPr>
+          </a:p>
+          <a:p>
+            <a:endParaRPr lang="en-IN" dirty="0">
+              <a:latin typeface="Times New Roman" panose="02020603050405020304" pitchFamily="18" charset="0"/>
+              <a:cs typeface="Times New Roman" panose="02020603050405020304" pitchFamily="18" charset="0"/>
+            </a:endParaRPr>
           </a:p>
         </p:txBody>
       </p:sp>
@@ -7228,7 +7302,7 @@
           <a:p>
             <a:fld id="{43FB9301-3E30-429B-A2AE-A7C782E4571C}" type="datetime1">
               <a:rPr lang="en-IN" smtClean="0"/>
-              <a:t>25-09-2018</a:t>
+              <a:t>26-09-2018</a:t>
             </a:fld>
             <a:endParaRPr lang="en-IN"/>
           </a:p>
@@ -7377,10 +7451,54 @@
         </p:nvSpPr>
         <p:spPr/>
         <p:txBody>
-          <a:bodyPr/>
-          <a:lstStyle/>
-          <a:p>
-            <a:endParaRPr lang="en-IN" dirty="0"/>
+          <a:bodyPr>
+            <a:normAutofit/>
+          </a:bodyPr>
+          <a:lstStyle/>
+          <a:p>
+            <a:r>
+              <a:rPr lang="en-IN" dirty="0">
+                <a:latin typeface="Times New Roman" panose="02020603050405020304" pitchFamily="18" charset="0"/>
+                <a:cs typeface="Times New Roman" panose="02020603050405020304" pitchFamily="18" charset="0"/>
+              </a:rPr>
+              <a:t>Live support chat provides opportunities for customer support agents.</a:t>
+            </a:r>
+          </a:p>
+          <a:p>
+            <a:r>
+              <a:rPr lang="en-IN" dirty="0">
+                <a:latin typeface="Times New Roman" panose="02020603050405020304" pitchFamily="18" charset="0"/>
+                <a:cs typeface="Times New Roman" panose="02020603050405020304" pitchFamily="18" charset="0"/>
+              </a:rPr>
+              <a:t>Self-service help desk will enable customers to look for solutions.</a:t>
+            </a:r>
+          </a:p>
+          <a:p>
+            <a:r>
+              <a:rPr lang="en-IN" dirty="0">
+                <a:latin typeface="Times New Roman" panose="02020603050405020304" pitchFamily="18" charset="0"/>
+                <a:cs typeface="Times New Roman" panose="02020603050405020304" pitchFamily="18" charset="0"/>
+              </a:rPr>
+              <a:t>Automatic call back phone system will help the system  for automatically calls them back when they are available.</a:t>
+            </a:r>
+          </a:p>
+          <a:p>
+            <a:r>
+              <a:rPr lang="en-IN" dirty="0">
+                <a:latin typeface="Times New Roman" panose="02020603050405020304" pitchFamily="18" charset="0"/>
+                <a:cs typeface="Times New Roman" panose="02020603050405020304" pitchFamily="18" charset="0"/>
+              </a:rPr>
+              <a:t>Mobile App is one of the way to connect with customers.</a:t>
+            </a:r>
+          </a:p>
+          <a:p>
+            <a:r>
+              <a:rPr lang="en-IN" dirty="0">
+                <a:latin typeface="Times New Roman" panose="02020603050405020304" pitchFamily="18" charset="0"/>
+                <a:cs typeface="Times New Roman" panose="02020603050405020304" pitchFamily="18" charset="0"/>
+              </a:rPr>
+              <a:t>Customer support ticketing tool helps to interact with customers across multiple channels.</a:t>
+            </a:r>
           </a:p>
         </p:txBody>
       </p:sp>
@@ -7407,7 +7525,7 @@
           <a:p>
             <a:fld id="{43FB9301-3E30-429B-A2AE-A7C782E4571C}" type="datetime1">
               <a:rPr lang="en-IN" smtClean="0"/>
-              <a:t>25-09-2018</a:t>
+              <a:t>26-09-2018</a:t>
             </a:fld>
             <a:endParaRPr lang="en-IN"/>
           </a:p>
@@ -7552,7 +7670,44 @@
           <a:bodyPr/>
           <a:lstStyle/>
           <a:p>
-            <a:endParaRPr lang="en-IN" dirty="0"/>
+            <a:r>
+              <a:rPr lang="en-IN" dirty="0">
+                <a:latin typeface="Times New Roman" panose="02020603050405020304" pitchFamily="18" charset="0"/>
+                <a:cs typeface="Times New Roman" panose="02020603050405020304" pitchFamily="18" charset="0"/>
+              </a:rPr>
+              <a:t>Reduce failure points by analyzing  human and digital contacts.</a:t>
+            </a:r>
+          </a:p>
+          <a:p>
+            <a:r>
+              <a:rPr lang="en-IN" dirty="0">
+                <a:latin typeface="Times New Roman" panose="02020603050405020304" pitchFamily="18" charset="0"/>
+                <a:cs typeface="Times New Roman" panose="02020603050405020304" pitchFamily="18" charset="0"/>
+              </a:rPr>
+              <a:t>Enabling the contact center to support the digital experience.</a:t>
+            </a:r>
+          </a:p>
+          <a:p>
+            <a:r>
+              <a:rPr lang="en-IN" dirty="0">
+                <a:latin typeface="Times New Roman" panose="02020603050405020304" pitchFamily="18" charset="0"/>
+                <a:cs typeface="Times New Roman" panose="02020603050405020304" pitchFamily="18" charset="0"/>
+              </a:rPr>
+              <a:t>Understanding customer behaviour by analysing data across all channels.</a:t>
+            </a:r>
+          </a:p>
+          <a:p>
+            <a:r>
+              <a:rPr lang="en-IN" dirty="0">
+                <a:latin typeface="Times New Roman" panose="02020603050405020304" pitchFamily="18" charset="0"/>
+                <a:cs typeface="Times New Roman" panose="02020603050405020304" pitchFamily="18" charset="0"/>
+              </a:rPr>
+              <a:t>Integrate digital self-serve and human support</a:t>
+            </a:r>
+            <a:r>
+              <a:rPr lang="en-IN" dirty="0"/>
+              <a:t>.</a:t>
+            </a:r>
           </a:p>
         </p:txBody>
       </p:sp>
@@ -7579,7 +7734,7 @@
           <a:p>
             <a:fld id="{43FB9301-3E30-429B-A2AE-A7C782E4571C}" type="datetime1">
               <a:rPr lang="en-IN" smtClean="0"/>
-              <a:t>25-09-2018</a:t>
+              <a:t>26-09-2018</a:t>
             </a:fld>
             <a:endParaRPr lang="en-IN"/>
           </a:p>
@@ -7733,7 +7888,7 @@
           <a:p>
             <a:fld id="{43FB9301-3E30-429B-A2AE-A7C782E4571C}" type="datetime1">
               <a:rPr lang="en-IN" smtClean="0"/>
-              <a:t>25-09-2018</a:t>
+              <a:t>26-09-2018</a:t>
             </a:fld>
             <a:endParaRPr lang="en-IN"/>
           </a:p>
@@ -7852,10 +8007,58 @@
           </a:xfrm>
         </p:spPr>
         <p:txBody>
-          <a:bodyPr/>
-          <a:lstStyle/>
-          <a:p>
-            <a:endParaRPr lang="en-IN" dirty="0"/>
+          <a:bodyPr>
+            <a:normAutofit/>
+          </a:bodyPr>
+          <a:lstStyle/>
+          <a:p>
+            <a:r>
+              <a:rPr lang="en-IN" dirty="0">
+                <a:latin typeface="Times New Roman" panose="02020603050405020304" pitchFamily="18" charset="0"/>
+                <a:cs typeface="Times New Roman" panose="02020603050405020304" pitchFamily="18" charset="0"/>
+              </a:rPr>
+              <a:t>ITU Telecom Network Planning Reference Manual - Draft version 4.1 January 2007</a:t>
+            </a:r>
+          </a:p>
+          <a:p>
+            <a:pPr marL="0" indent="0">
+              <a:buNone/>
+            </a:pPr>
+            <a:endParaRPr lang="en-IN" dirty="0">
+              <a:latin typeface="Times New Roman" panose="02020603050405020304" pitchFamily="18" charset="0"/>
+              <a:cs typeface="Times New Roman" panose="02020603050405020304" pitchFamily="18" charset="0"/>
+            </a:endParaRPr>
+          </a:p>
+          <a:p>
+            <a:r>
+              <a:rPr lang="en-IN" dirty="0">
+                <a:latin typeface="Times New Roman" panose="02020603050405020304" pitchFamily="18" charset="0"/>
+                <a:cs typeface="Times New Roman" panose="02020603050405020304" pitchFamily="18" charset="0"/>
+              </a:rPr>
+              <a:t> </a:t>
+            </a:r>
+            <a:r>
+              <a:rPr lang="en-IN" b="1" cap="small" dirty="0">
+                <a:latin typeface="Times New Roman" panose="02020603050405020304" pitchFamily="18" charset="0"/>
+                <a:cs typeface="Times New Roman" panose="02020603050405020304" pitchFamily="18" charset="0"/>
+              </a:rPr>
+              <a:t>identification and mitigation of risks in it projects: a case study during the merger period in the telecommunications industry </a:t>
+            </a:r>
+          </a:p>
+          <a:p>
+            <a:pPr marL="0" indent="0">
+              <a:buNone/>
+            </a:pPr>
+            <a:endParaRPr lang="en-IN" cap="small" dirty="0">
+              <a:latin typeface="Times New Roman" panose="02020603050405020304" pitchFamily="18" charset="0"/>
+              <a:cs typeface="Times New Roman" panose="02020603050405020304" pitchFamily="18" charset="0"/>
+            </a:endParaRPr>
+          </a:p>
+          <a:p>
+            <a:endParaRPr lang="en-IN" dirty="0">
+              <a:latin typeface="Times New Roman" panose="02020603050405020304" pitchFamily="18" charset="0"/>
+              <a:cs typeface="Times New Roman" panose="02020603050405020304" pitchFamily="18" charset="0"/>
+            </a:endParaRPr>
           </a:p>
         </p:txBody>
       </p:sp>
@@ -7882,7 +8085,7 @@
           <a:p>
             <a:fld id="{43FB9301-3E30-429B-A2AE-A7C782E4571C}" type="datetime1">
               <a:rPr lang="en-IN" smtClean="0"/>
-              <a:t>25-09-2018</a:t>
+              <a:t>26-09-2018</a:t>
             </a:fld>
             <a:endParaRPr lang="en-IN"/>
           </a:p>
